--- a/Later/Spring/11_Spring_JDBC_Support/17/Insert_SimpleJdbcInsert.pptx
+++ b/Later/Spring/11_Spring_JDBC_Support/17/Insert_SimpleJdbcInsert.pptx
@@ -192,7 +192,7 @@
           <a:p>
             <a:fld id="{62274EC6-3890-417B-9308-14EFBD00FA63}" type="datetimeFigureOut">
               <a:rPr lang="en-US" smtClean="0"/>
-              <a:t>8/14/2018</a:t>
+              <a:t>8/16/2018</a:t>
             </a:fld>
             <a:endParaRPr lang="en-US" dirty="0"/>
           </a:p>
@@ -731,7 +731,7 @@
             <a:fld id="{1D8BD707-D9CF-40AE-B4C6-C98DA3205C09}" type="datetimeFigureOut">
               <a:rPr lang="en-US" smtClean="0"/>
               <a:pPr/>
-              <a:t>8/14/2018</a:t>
+              <a:t>8/16/2018</a:t>
             </a:fld>
             <a:endParaRPr lang="en-US" dirty="0"/>
           </a:p>
@@ -903,7 +903,7 @@
             <a:fld id="{1D8BD707-D9CF-40AE-B4C6-C98DA3205C09}" type="datetimeFigureOut">
               <a:rPr lang="en-US" smtClean="0"/>
               <a:pPr/>
-              <a:t>8/14/2018</a:t>
+              <a:t>8/16/2018</a:t>
             </a:fld>
             <a:endParaRPr lang="en-US" dirty="0"/>
           </a:p>
@@ -1085,7 +1085,7 @@
             <a:fld id="{1D8BD707-D9CF-40AE-B4C6-C98DA3205C09}" type="datetimeFigureOut">
               <a:rPr lang="en-US" smtClean="0"/>
               <a:pPr/>
-              <a:t>8/14/2018</a:t>
+              <a:t>8/16/2018</a:t>
             </a:fld>
             <a:endParaRPr lang="en-US" dirty="0"/>
           </a:p>
@@ -1257,7 +1257,7 @@
             <a:fld id="{1D8BD707-D9CF-40AE-B4C6-C98DA3205C09}" type="datetimeFigureOut">
               <a:rPr lang="en-US" smtClean="0"/>
               <a:pPr/>
-              <a:t>8/14/2018</a:t>
+              <a:t>8/16/2018</a:t>
             </a:fld>
             <a:endParaRPr lang="en-US" dirty="0"/>
           </a:p>
@@ -1505,7 +1505,7 @@
             <a:fld id="{1D8BD707-D9CF-40AE-B4C6-C98DA3205C09}" type="datetimeFigureOut">
               <a:rPr lang="en-US" smtClean="0"/>
               <a:pPr/>
-              <a:t>8/14/2018</a:t>
+              <a:t>8/16/2018</a:t>
             </a:fld>
             <a:endParaRPr lang="en-US" dirty="0"/>
           </a:p>
@@ -1795,7 +1795,7 @@
             <a:fld id="{1D8BD707-D9CF-40AE-B4C6-C98DA3205C09}" type="datetimeFigureOut">
               <a:rPr lang="en-US" smtClean="0"/>
               <a:pPr/>
-              <a:t>8/14/2018</a:t>
+              <a:t>8/16/2018</a:t>
             </a:fld>
             <a:endParaRPr lang="en-US" dirty="0"/>
           </a:p>
@@ -2224,7 +2224,7 @@
             <a:fld id="{1D8BD707-D9CF-40AE-B4C6-C98DA3205C09}" type="datetimeFigureOut">
               <a:rPr lang="en-US" smtClean="0"/>
               <a:pPr/>
-              <a:t>8/14/2018</a:t>
+              <a:t>8/16/2018</a:t>
             </a:fld>
             <a:endParaRPr lang="en-US" dirty="0"/>
           </a:p>
@@ -2344,7 +2344,7 @@
             <a:fld id="{1D8BD707-D9CF-40AE-B4C6-C98DA3205C09}" type="datetimeFigureOut">
               <a:rPr lang="en-US" smtClean="0"/>
               <a:pPr/>
-              <a:t>8/14/2018</a:t>
+              <a:t>8/16/2018</a:t>
             </a:fld>
             <a:endParaRPr lang="en-US" dirty="0"/>
           </a:p>
@@ -2441,7 +2441,7 @@
             <a:fld id="{1D8BD707-D9CF-40AE-B4C6-C98DA3205C09}" type="datetimeFigureOut">
               <a:rPr lang="en-US" smtClean="0"/>
               <a:pPr/>
-              <a:t>8/14/2018</a:t>
+              <a:t>8/16/2018</a:t>
             </a:fld>
             <a:endParaRPr lang="en-US" dirty="0"/>
           </a:p>
@@ -2720,7 +2720,7 @@
             <a:fld id="{1D8BD707-D9CF-40AE-B4C6-C98DA3205C09}" type="datetimeFigureOut">
               <a:rPr lang="en-US" smtClean="0"/>
               <a:pPr/>
-              <a:t>8/14/2018</a:t>
+              <a:t>8/16/2018</a:t>
             </a:fld>
             <a:endParaRPr lang="en-US" dirty="0"/>
           </a:p>
@@ -2975,7 +2975,7 @@
             <a:fld id="{1D8BD707-D9CF-40AE-B4C6-C98DA3205C09}" type="datetimeFigureOut">
               <a:rPr lang="en-US" smtClean="0"/>
               <a:pPr/>
-              <a:t>8/14/2018</a:t>
+              <a:t>8/16/2018</a:t>
             </a:fld>
             <a:endParaRPr lang="en-US" dirty="0"/>
           </a:p>
@@ -3190,7 +3190,7 @@
             <a:fld id="{1D8BD707-D9CF-40AE-B4C6-C98DA3205C09}" type="datetimeFigureOut">
               <a:rPr lang="en-US" smtClean="0"/>
               <a:pPr/>
-              <a:t>8/14/2018</a:t>
+              <a:t>8/16/2018</a:t>
             </a:fld>
             <a:endParaRPr lang="en-US" dirty="0"/>
           </a:p>
@@ -3874,8 +3874,8 @@
         </p:nvSpPr>
         <p:spPr>
           <a:xfrm>
-            <a:off x="155575" y="761999"/>
-            <a:ext cx="8683625" cy="1106101"/>
+            <a:off x="155575" y="465138"/>
+            <a:ext cx="8683625" cy="1402963"/>
           </a:xfrm>
           <a:prstGeom prst="wedgeRoundRectCallout">
             <a:avLst>
@@ -3904,12 +3904,16 @@
           <a:bodyPr rtlCol="0" anchor="ctr"/>
           <a:lstStyle/>
           <a:p>
-            <a:r>
-              <a:rPr lang="en-US" sz="1200" dirty="0"/>
+            <a:pPr marL="171450" indent="-171450">
+              <a:buFont typeface="Wingdings" pitchFamily="2" charset="2"/>
+              <a:buChar char="ü"/>
+            </a:pPr>
+            <a:r>
+              <a:rPr lang="en-US" sz="1000" dirty="0"/>
               <a:t>Let’s start by looking at the </a:t>
             </a:r>
             <a:r>
-              <a:rPr lang="en-US" sz="1200" dirty="0">
+              <a:rPr lang="en-US" sz="1000" dirty="0">
                 <a:solidFill>
                   <a:srgbClr val="FF0000"/>
                 </a:solidFill>
@@ -3917,19 +3921,11 @@
               <a:t>SimpleJdbcInsert</a:t>
             </a:r>
             <a:r>
-              <a:rPr lang="en-US" sz="1200" dirty="0"/>
-              <a:t> class with the minimal amount of configuration options. You should instantiate the </a:t>
-            </a:r>
-            <a:r>
-              <a:rPr lang="en-US" sz="1200" dirty="0"/>
-              <a:t>SimpleJdbcInsert</a:t>
-            </a:r>
-            <a:r>
-              <a:rPr lang="en-US" sz="1200" dirty="0"/>
-              <a:t> in the data access layer’s initialization method. For this example, the initializing method is the </a:t>
-            </a:r>
-            <a:r>
-              <a:rPr lang="en-US" sz="1200" dirty="0">
+              <a:rPr lang="en-US" sz="1000" dirty="0"/>
+              <a:t> class with the minimal amount of configuration options. You should instantiate the SimpleJdbcInsert in the data access layer’s initialization method. For this example, the initializing method is the </a:t>
+            </a:r>
+            <a:r>
+              <a:rPr lang="en-US" sz="1000" dirty="0">
                 <a:solidFill>
                   <a:srgbClr val="FF0000"/>
                 </a:solidFill>
@@ -3937,19 +3933,11 @@
               <a:t>setDataSource</a:t>
             </a:r>
             <a:r>
-              <a:rPr lang="en-US" sz="1200" dirty="0"/>
-              <a:t> method. You do not need to subclass the </a:t>
-            </a:r>
-            <a:r>
-              <a:rPr lang="en-US" sz="1200" dirty="0"/>
-              <a:t>SimpleJdbcInsert</a:t>
-            </a:r>
-            <a:r>
-              <a:rPr lang="en-US" sz="1200" dirty="0"/>
-              <a:t> class; simply create a new instance and set the table name using the </a:t>
-            </a:r>
-            <a:r>
-              <a:rPr lang="en-US" sz="1200" dirty="0">
+              <a:rPr lang="en-US" sz="1000" dirty="0"/>
+              <a:t> method. You do not need to subclass the SimpleJdbcInsert class; simply create a new instance and set the table name using the </a:t>
+            </a:r>
+            <a:r>
+              <a:rPr lang="en-US" sz="1000" dirty="0">
                 <a:solidFill>
                   <a:srgbClr val="FF0000"/>
                 </a:solidFill>
@@ -3957,18 +3945,39 @@
               <a:t>withTableName</a:t>
             </a:r>
             <a:r>
-              <a:rPr lang="en-US" sz="1200" dirty="0"/>
-              <a:t> method. Configuration methods for this class follow the "fluid" style that returns the instance of the </a:t>
-            </a:r>
-            <a:r>
-              <a:rPr lang="en-US" sz="1200" dirty="0"/>
-              <a:t>SimpleJdbcInsert</a:t>
-            </a:r>
-            <a:r>
-              <a:rPr lang="en-US" sz="1200" dirty="0"/>
-              <a:t>, which allows you to chain all configuration methods. This example uses only one configuration method</a:t>
-            </a:r>
-            <a:endParaRPr lang="en-US" sz="1200" dirty="0"/>
+              <a:rPr lang="en-US" sz="1000" dirty="0"/>
+              <a:t> method. Configuration methods for this class follow the "fluid" style that returns the instance of the SimpleJdbcInsert, which allows you to chain all configuration methods. This example uses only one configuration </a:t>
+            </a:r>
+            <a:r>
+              <a:rPr lang="en-US" sz="1000" dirty="0" smtClean="0"/>
+              <a:t>method.</a:t>
+            </a:r>
+          </a:p>
+          <a:p>
+            <a:pPr marL="171450" indent="-171450">
+              <a:buFont typeface="Wingdings" pitchFamily="2" charset="2"/>
+              <a:buChar char="ü"/>
+            </a:pPr>
+            <a:endParaRPr lang="en-US" sz="1000" dirty="0"/>
+          </a:p>
+          <a:p>
+            <a:pPr marL="171450" indent="-171450">
+              <a:buFont typeface="Wingdings" pitchFamily="2" charset="2"/>
+              <a:buChar char="ü"/>
+            </a:pPr>
+            <a:r>
+              <a:rPr lang="en-US" sz="1000" dirty="0"/>
+              <a:t>The execute method used here takes a plain </a:t>
+            </a:r>
+            <a:r>
+              <a:rPr lang="en-US" sz="1000" dirty="0" err="1"/>
+              <a:t>java.utils.Map</a:t>
+            </a:r>
+            <a:r>
+              <a:rPr lang="en-US" sz="1000" dirty="0"/>
+              <a:t> as its only parameter. The important thing to note here is that the keys used for the Map must match the column names of the table as defined in the database. This is because we read the metadata in order to construct the actual insert statement.</a:t>
+            </a:r>
+            <a:endParaRPr lang="en-US" sz="1000" dirty="0"/>
           </a:p>
         </p:txBody>
       </p:sp>
